--- a/Phishing - Presentation.pptx
+++ b/Phishing - Presentation.pptx
@@ -117,6 +117,11 @@
       </a:defRPr>
     </a:lvl9pPr>
   </p:defaultTextStyle>
+  <p:extLst>
+    <p:ext uri="{EFAFB233-063F-42B5-8137-9DF3F51BA10A}">
+      <p15:sldGuideLst xmlns:p15="http://schemas.microsoft.com/office/powerpoint/2012/main"/>
+    </p:ext>
+  </p:extLst>
 </p:presentation>
 </file>
 
@@ -1521,6 +1526,25 @@
             </a:pPr>
             <a:r>
               <a:rPr lang="de-CH" dirty="0" err="1"/>
+              <a:t>Easily</a:t>
+            </a:r>
+            <a:r>
+              <a:rPr lang="de-CH" dirty="0"/>
+              <a:t> </a:t>
+            </a:r>
+            <a:r>
+              <a:rPr lang="de-CH" dirty="0" err="1"/>
+              <a:t>made</a:t>
+            </a:r>
+            <a:endParaRPr lang="de-CH" dirty="0"/>
+          </a:p>
+          <a:p>
+            <a:pPr marL="171450" indent="-171450">
+              <a:buFont typeface="Arial" panose="020B0604020202020204" pitchFamily="34" charset="0"/>
+              <a:buChar char="•"/>
+            </a:pPr>
+            <a:r>
+              <a:rPr lang="de-CH" dirty="0" err="1"/>
               <a:t>How</a:t>
             </a:r>
             <a:r>
@@ -1697,6 +1721,20 @@
             <a:r>
               <a:rPr lang="de-CH" dirty="0"/>
               <a:t> in mail</a:t>
+            </a:r>
+          </a:p>
+          <a:p>
+            <a:pPr marL="171450" indent="-171450">
+              <a:buFont typeface="Arial" panose="020B0604020202020204" pitchFamily="34" charset="0"/>
+              <a:buChar char="•"/>
+            </a:pPr>
+            <a:r>
+              <a:rPr lang="de-CH" dirty="0" err="1"/>
+              <a:t>Resembles</a:t>
+            </a:r>
+            <a:r>
+              <a:rPr lang="de-CH" dirty="0"/>
+              <a:t> a real email</a:t>
             </a:r>
           </a:p>
         </p:txBody>
@@ -6538,7 +6576,7 @@
           <a:bodyPr/>
           <a:lstStyle/>
           <a:p>
-            <a:endParaRPr lang="de-CH"/>
+            <a:endParaRPr lang="de-CH" dirty="0"/>
           </a:p>
         </p:txBody>
       </p:sp>
@@ -6687,53 +6725,6 @@
           </a:p>
         </p:txBody>
       </p:sp>
-      <p:pic>
-        <p:nvPicPr>
-          <p:cNvPr id="1026" name="Picture 2" descr="https://d30y9cdsu7xlg0.cloudfront.net/png/1182493-200.png">
-            <a:extLst>
-              <a:ext uri="{FF2B5EF4-FFF2-40B4-BE49-F238E27FC236}">
-                <a16:creationId xmlns:a16="http://schemas.microsoft.com/office/drawing/2014/main" id="{36E5D2D6-E969-49F8-ABC2-68CD80D5A805}"/>
-              </a:ext>
-            </a:extLst>
-          </p:cNvPr>
-          <p:cNvPicPr>
-            <a:picLocks noChangeAspect="1" noChangeArrowheads="1"/>
-          </p:cNvPicPr>
-          <p:nvPr/>
-        </p:nvPicPr>
-        <p:blipFill>
-          <a:blip r:embed="rId3">
-            <a:extLst>
-              <a:ext uri="{28A0092B-C50C-407E-A947-70E740481C1C}">
-                <a14:useLocalDpi xmlns:a14="http://schemas.microsoft.com/office/drawing/2010/main" val="0"/>
-              </a:ext>
-            </a:extLst>
-          </a:blip>
-          <a:srcRect/>
-          <a:stretch>
-            <a:fillRect/>
-          </a:stretch>
-        </p:blipFill>
-        <p:spPr bwMode="auto">
-          <a:xfrm>
-            <a:off x="7965016" y="2571750"/>
-            <a:ext cx="3190664" cy="3190664"/>
-          </a:xfrm>
-          <a:prstGeom prst="rect">
-            <a:avLst/>
-          </a:prstGeom>
-          <a:noFill/>
-          <a:extLst>
-            <a:ext uri="{909E8E84-426E-40DD-AFC4-6F175D3DCCD1}">
-              <a14:hiddenFill xmlns:a14="http://schemas.microsoft.com/office/drawing/2010/main">
-                <a:solidFill>
-                  <a:srgbClr val="FFFFFF"/>
-                </a:solidFill>
-              </a14:hiddenFill>
-            </a:ext>
-          </a:extLst>
-        </p:spPr>
-      </p:pic>
     </p:spTree>
     <p:extLst>
       <p:ext uri="{BB962C8B-B14F-4D97-AF65-F5344CB8AC3E}">
@@ -6902,6 +6893,53 @@
           </a:p>
         </p:txBody>
       </p:sp>
+      <p:pic>
+        <p:nvPicPr>
+          <p:cNvPr id="4" name="Picture 2" descr="https://d30y9cdsu7xlg0.cloudfront.net/png/1182493-200.png">
+            <a:extLst>
+              <a:ext uri="{FF2B5EF4-FFF2-40B4-BE49-F238E27FC236}">
+                <a16:creationId xmlns:a16="http://schemas.microsoft.com/office/drawing/2014/main" id="{4A6E196E-7D97-4E45-AF0B-FAA062F9D489}"/>
+              </a:ext>
+            </a:extLst>
+          </p:cNvPr>
+          <p:cNvPicPr>
+            <a:picLocks noChangeAspect="1" noChangeArrowheads="1"/>
+          </p:cNvPicPr>
+          <p:nvPr/>
+        </p:nvPicPr>
+        <p:blipFill>
+          <a:blip r:embed="rId3">
+            <a:extLst>
+              <a:ext uri="{28A0092B-C50C-407E-A947-70E740481C1C}">
+                <a14:useLocalDpi xmlns:a14="http://schemas.microsoft.com/office/drawing/2010/main" val="0"/>
+              </a:ext>
+            </a:extLst>
+          </a:blip>
+          <a:srcRect/>
+          <a:stretch>
+            <a:fillRect/>
+          </a:stretch>
+        </p:blipFill>
+        <p:spPr bwMode="auto">
+          <a:xfrm>
+            <a:off x="7965016" y="2678430"/>
+            <a:ext cx="3190664" cy="3190664"/>
+          </a:xfrm>
+          <a:prstGeom prst="rect">
+            <a:avLst/>
+          </a:prstGeom>
+          <a:noFill/>
+          <a:extLst>
+            <a:ext uri="{909E8E84-426E-40DD-AFC4-6F175D3DCCD1}">
+              <a14:hiddenFill xmlns:a14="http://schemas.microsoft.com/office/drawing/2010/main">
+                <a:solidFill>
+                  <a:srgbClr val="FFFFFF"/>
+                </a:solidFill>
+              </a14:hiddenFill>
+            </a:ext>
+          </a:extLst>
+        </p:spPr>
+      </p:pic>
     </p:spTree>
     <p:extLst>
       <p:ext uri="{BB962C8B-B14F-4D97-AF65-F5344CB8AC3E}">
@@ -7030,6 +7068,53 @@
           </a:p>
         </p:txBody>
       </p:sp>
+      <p:pic>
+        <p:nvPicPr>
+          <p:cNvPr id="1026" name="Picture 2" descr="https://blog.malwarebytes.com/wp-content/uploads/2015/06/boatwitfeed6.jpg">
+            <a:extLst>
+              <a:ext uri="{FF2B5EF4-FFF2-40B4-BE49-F238E27FC236}">
+                <a16:creationId xmlns:a16="http://schemas.microsoft.com/office/drawing/2014/main" id="{B4B5447D-028D-4E4D-A8C0-A342A942F73B}"/>
+              </a:ext>
+            </a:extLst>
+          </p:cNvPr>
+          <p:cNvPicPr>
+            <a:picLocks noChangeAspect="1" noChangeArrowheads="1"/>
+          </p:cNvPicPr>
+          <p:nvPr/>
+        </p:nvPicPr>
+        <p:blipFill>
+          <a:blip r:embed="rId3">
+            <a:extLst>
+              <a:ext uri="{28A0092B-C50C-407E-A947-70E740481C1C}">
+                <a14:useLocalDpi xmlns:a14="http://schemas.microsoft.com/office/drawing/2010/main" val="0"/>
+              </a:ext>
+            </a:extLst>
+          </a:blip>
+          <a:srcRect/>
+          <a:stretch>
+            <a:fillRect/>
+          </a:stretch>
+        </p:blipFill>
+        <p:spPr bwMode="auto">
+          <a:xfrm>
+            <a:off x="6454056" y="2395326"/>
+            <a:ext cx="4701624" cy="3811165"/>
+          </a:xfrm>
+          <a:prstGeom prst="rect">
+            <a:avLst/>
+          </a:prstGeom>
+          <a:noFill/>
+          <a:extLst>
+            <a:ext uri="{909E8E84-426E-40DD-AFC4-6F175D3DCCD1}">
+              <a14:hiddenFill xmlns:a14="http://schemas.microsoft.com/office/drawing/2010/main">
+                <a:solidFill>
+                  <a:srgbClr val="FFFFFF"/>
+                </a:solidFill>
+              </a14:hiddenFill>
+            </a:ext>
+          </a:extLst>
+        </p:spPr>
+      </p:pic>
     </p:spTree>
     <p:extLst>
       <p:ext uri="{BB962C8B-B14F-4D97-AF65-F5344CB8AC3E}">
@@ -7530,12 +7615,8 @@
           <a:lstStyle/>
           <a:p>
             <a:r>
-              <a:rPr lang="de-CH" sz="3200" dirty="0" err="1"/>
-              <a:t>Urls</a:t>
-            </a:r>
-            <a:r>
               <a:rPr lang="de-CH" sz="3200" dirty="0"/>
-              <a:t> </a:t>
+              <a:t>URLs </a:t>
             </a:r>
             <a:r>
               <a:rPr lang="de-CH" sz="3200" dirty="0" err="1"/>
